--- a/iandeye.pptx
+++ b/iandeye.pptx
@@ -110,6 +110,11 @@
       </a:defRPr>
     </a:lvl9pPr>
   </p:defaultTextStyle>
+  <p:extLst>
+    <p:ext uri="{EFAFB233-063F-42B5-8137-9DF3F51BA10A}">
+      <p15:sldGuideLst xmlns:p15="http://schemas.microsoft.com/office/powerpoint/2012/main"/>
+    </p:ext>
+  </p:extLst>
 </p:presentation>
 </file>
 
@@ -5526,6 +5531,95 @@
           </a:p>
         </p:txBody>
       </p:sp>
+      <p:pic>
+        <p:nvPicPr>
+          <p:cNvPr id="4" name="Picture 3"/>
+          <p:cNvPicPr>
+            <a:picLocks noChangeAspect="1"/>
+          </p:cNvPicPr>
+          <p:nvPr/>
+        </p:nvPicPr>
+        <p:blipFill>
+          <a:blip r:embed="rId2">
+            <a:extLst>
+              <a:ext uri="{28A0092B-C50C-407E-A947-70E740481C1C}">
+                <a14:useLocalDpi xmlns:a14="http://schemas.microsoft.com/office/drawing/2010/main" val="0"/>
+              </a:ext>
+            </a:extLst>
+          </a:blip>
+          <a:stretch>
+            <a:fillRect/>
+          </a:stretch>
+        </p:blipFill>
+        <p:spPr>
+          <a:xfrm>
+            <a:off x="5833519" y="2962140"/>
+            <a:ext cx="2190351" cy="3895859"/>
+          </a:xfrm>
+          <a:prstGeom prst="rect">
+            <a:avLst/>
+          </a:prstGeom>
+        </p:spPr>
+      </p:pic>
+      <p:pic>
+        <p:nvPicPr>
+          <p:cNvPr id="5" name="Picture 4"/>
+          <p:cNvPicPr>
+            <a:picLocks noChangeAspect="1"/>
+          </p:cNvPicPr>
+          <p:nvPr/>
+        </p:nvPicPr>
+        <p:blipFill>
+          <a:blip r:embed="rId3">
+            <a:extLst>
+              <a:ext uri="{28A0092B-C50C-407E-A947-70E740481C1C}">
+                <a14:useLocalDpi xmlns:a14="http://schemas.microsoft.com/office/drawing/2010/main" val="0"/>
+              </a:ext>
+            </a:extLst>
+          </a:blip>
+          <a:stretch>
+            <a:fillRect/>
+          </a:stretch>
+        </p:blipFill>
+        <p:spPr>
+          <a:xfrm>
+            <a:off x="299478" y="2820473"/>
+            <a:ext cx="2270000" cy="4037526"/>
+          </a:xfrm>
+          <a:prstGeom prst="rect">
+            <a:avLst/>
+          </a:prstGeom>
+        </p:spPr>
+      </p:pic>
+      <p:pic>
+        <p:nvPicPr>
+          <p:cNvPr id="6" name="Picture 5"/>
+          <p:cNvPicPr>
+            <a:picLocks noChangeAspect="1"/>
+          </p:cNvPicPr>
+          <p:nvPr/>
+        </p:nvPicPr>
+        <p:blipFill rotWithShape="1">
+          <a:blip r:embed="rId4">
+            <a:extLst>
+              <a:ext uri="{28A0092B-C50C-407E-A947-70E740481C1C}">
+                <a14:useLocalDpi xmlns:a14="http://schemas.microsoft.com/office/drawing/2010/main" val="0"/>
+              </a:ext>
+            </a:extLst>
+          </a:blip>
+          <a:srcRect r="46859"/>
+          <a:stretch/>
+        </p:blipFill>
+        <p:spPr>
+          <a:xfrm>
+            <a:off x="8409904" y="2934809"/>
+            <a:ext cx="3580327" cy="3833037"/>
+          </a:xfrm>
+          <a:prstGeom prst="rect">
+            <a:avLst/>
+          </a:prstGeom>
+        </p:spPr>
+      </p:pic>
     </p:spTree>
     <p:extLst>
       <p:ext uri="{BB962C8B-B14F-4D97-AF65-F5344CB8AC3E}">
@@ -5611,7 +5705,7 @@
         </p:spPr>
         <p:txBody>
           <a:bodyPr>
-            <a:normAutofit fontScale="92500" lnSpcReduction="20000"/>
+            <a:normAutofit fontScale="85000" lnSpcReduction="20000"/>
           </a:bodyPr>
           <a:lstStyle/>
           <a:p>
@@ -5722,12 +5816,26 @@
               <a:buChar char="•"/>
             </a:pPr>
             <a:r>
+              <a:rPr lang="en-IN" dirty="0" smtClean="0">
+                <a:solidFill>
+                  <a:schemeClr val="tx1"/>
+                </a:solidFill>
+              </a:rPr>
+              <a:t>PHP</a:t>
+            </a:r>
+          </a:p>
+          <a:p>
+            <a:pPr marL="342900" indent="-342900">
+              <a:buFont typeface="Arial" panose="020B0604020202020204" pitchFamily="34" charset="0"/>
+              <a:buChar char="•"/>
+            </a:pPr>
+            <a:r>
               <a:rPr lang="en-IN" dirty="0" err="1" smtClean="0">
                 <a:solidFill>
                   <a:schemeClr val="tx1"/>
                 </a:solidFill>
               </a:rPr>
-              <a:t>Php</a:t>
+              <a:t>Twilio</a:t>
             </a:r>
             <a:endParaRPr lang="en-IN" dirty="0">
               <a:solidFill>

--- a/iandeye.pptx
+++ b/iandeye.pptx
@@ -116,6 +116,1352 @@
     </p:ext>
   </p:extLst>
 </p:presentation>
+</file>
+
+<file path=ppt/charts/chart1.xml><?xml version="1.0" encoding="utf-8"?>
+<c:chartSpace xmlns:c="http://schemas.openxmlformats.org/drawingml/2006/chart" xmlns:a="http://schemas.openxmlformats.org/drawingml/2006/main" xmlns:r="http://schemas.openxmlformats.org/officeDocument/2006/relationships">
+  <c:date1904 val="0"/>
+  <c:lang val="en-US"/>
+  <c:roundedCorners val="0"/>
+  <mc:AlternateContent xmlns:mc="http://schemas.openxmlformats.org/markup-compatibility/2006">
+    <mc:Choice xmlns:c14="http://schemas.microsoft.com/office/drawing/2007/8/2/chart" Requires="c14">
+      <c14:style val="102"/>
+    </mc:Choice>
+    <mc:Fallback>
+      <c:style val="2"/>
+    </mc:Fallback>
+  </mc:AlternateContent>
+  <c:chart>
+    <c:autoTitleDeleted val="0"/>
+    <c:plotArea>
+      <c:layout>
+        <c:manualLayout>
+          <c:layoutTarget val="inner"/>
+          <c:xMode val="edge"/>
+          <c:yMode val="edge"/>
+          <c:x val="5.0484811137738214E-2"/>
+          <c:y val="5.9925093632958802E-2"/>
+          <c:w val="0.57619335843889075"/>
+          <c:h val="0.74371169895897848"/>
+        </c:manualLayout>
+      </c:layout>
+      <c:barChart>
+        <c:barDir val="col"/>
+        <c:grouping val="clustered"/>
+        <c:varyColors val="0"/>
+        <c:ser>
+          <c:idx val="0"/>
+          <c:order val="0"/>
+          <c:tx>
+            <c:strRef>
+              <c:f>Sheet1!$B$1</c:f>
+              <c:strCache>
+                <c:ptCount val="1"/>
+                <c:pt idx="0">
+                  <c:v>No of scribe registered</c:v>
+                </c:pt>
+              </c:strCache>
+            </c:strRef>
+          </c:tx>
+          <c:spPr>
+            <a:solidFill>
+              <a:schemeClr val="accent1"/>
+            </a:solidFill>
+            <a:ln>
+              <a:noFill/>
+            </a:ln>
+            <a:effectLst/>
+          </c:spPr>
+          <c:invertIfNegative val="0"/>
+          <c:dLbls>
+            <c:spPr>
+              <a:noFill/>
+              <a:ln>
+                <a:noFill/>
+              </a:ln>
+              <a:effectLst/>
+            </c:spPr>
+            <c:txPr>
+              <a:bodyPr rot="0" spcFirstLastPara="1" vertOverflow="ellipsis" vert="horz" wrap="square" lIns="38100" tIns="19050" rIns="38100" bIns="19050" anchor="ctr" anchorCtr="1">
+                <a:spAutoFit/>
+              </a:bodyPr>
+              <a:lstStyle/>
+              <a:p>
+                <a:pPr>
+                  <a:defRPr sz="1197" b="0" i="0" u="none" strike="noStrike" kern="1200" baseline="0">
+                    <a:solidFill>
+                      <a:schemeClr val="dk1">
+                        <a:lumMod val="75000"/>
+                        <a:lumOff val="25000"/>
+                      </a:schemeClr>
+                    </a:solidFill>
+                    <a:latin typeface="+mn-lt"/>
+                    <a:ea typeface="+mn-ea"/>
+                    <a:cs typeface="+mn-cs"/>
+                  </a:defRPr>
+                </a:pPr>
+                <a:endParaRPr lang="en-US"/>
+              </a:p>
+            </c:txPr>
+            <c:showLegendKey val="0"/>
+            <c:showVal val="1"/>
+            <c:showCatName val="0"/>
+            <c:showSerName val="0"/>
+            <c:showPercent val="0"/>
+            <c:showBubbleSize val="0"/>
+            <c:showLeaderLines val="0"/>
+            <c:extLst>
+              <c:ext xmlns:c15="http://schemas.microsoft.com/office/drawing/2012/chart" uri="{CE6537A1-D6FC-4f65-9D91-7224C49458BB}">
+                <c15:layout/>
+                <c15:showLeaderLines val="0"/>
+              </c:ext>
+            </c:extLst>
+          </c:dLbls>
+          <c:trendline>
+            <c:spPr>
+              <a:ln w="19050" cap="rnd">
+                <a:solidFill>
+                  <a:schemeClr val="accent1"/>
+                </a:solidFill>
+              </a:ln>
+              <a:effectLst/>
+            </c:spPr>
+            <c:trendlineType val="linear"/>
+            <c:dispRSqr val="0"/>
+            <c:dispEq val="0"/>
+          </c:trendline>
+          <c:cat>
+            <c:numRef>
+              <c:f>Sheet1!$A$2:$A$6</c:f>
+              <c:numCache>
+                <c:formatCode>m/d/yyyy</c:formatCode>
+                <c:ptCount val="5"/>
+                <c:pt idx="0">
+                  <c:v>42927</c:v>
+                </c:pt>
+                <c:pt idx="1">
+                  <c:v>42928</c:v>
+                </c:pt>
+                <c:pt idx="2">
+                  <c:v>42929</c:v>
+                </c:pt>
+                <c:pt idx="3">
+                  <c:v>42930</c:v>
+                </c:pt>
+                <c:pt idx="4">
+                  <c:v>42931</c:v>
+                </c:pt>
+              </c:numCache>
+            </c:numRef>
+          </c:cat>
+          <c:val>
+            <c:numRef>
+              <c:f>Sheet1!$B$2:$B$6</c:f>
+              <c:numCache>
+                <c:formatCode>General</c:formatCode>
+                <c:ptCount val="5"/>
+                <c:pt idx="0">
+                  <c:v>25</c:v>
+                </c:pt>
+                <c:pt idx="1">
+                  <c:v>20</c:v>
+                </c:pt>
+                <c:pt idx="2">
+                  <c:v>16</c:v>
+                </c:pt>
+                <c:pt idx="3">
+                  <c:v>30</c:v>
+                </c:pt>
+                <c:pt idx="4">
+                  <c:v>36</c:v>
+                </c:pt>
+              </c:numCache>
+            </c:numRef>
+          </c:val>
+        </c:ser>
+        <c:ser>
+          <c:idx val="1"/>
+          <c:order val="1"/>
+          <c:tx>
+            <c:strRef>
+              <c:f>Sheet1!$C$1</c:f>
+              <c:strCache>
+                <c:ptCount val="1"/>
+                <c:pt idx="0">
+                  <c:v>No of Scribes accept</c:v>
+                </c:pt>
+              </c:strCache>
+            </c:strRef>
+          </c:tx>
+          <c:spPr>
+            <a:solidFill>
+              <a:schemeClr val="accent2"/>
+            </a:solidFill>
+            <a:ln>
+              <a:noFill/>
+            </a:ln>
+            <a:effectLst/>
+          </c:spPr>
+          <c:invertIfNegative val="0"/>
+          <c:dLbls>
+            <c:spPr>
+              <a:noFill/>
+              <a:ln>
+                <a:noFill/>
+              </a:ln>
+              <a:effectLst/>
+            </c:spPr>
+            <c:txPr>
+              <a:bodyPr rot="0" spcFirstLastPara="1" vertOverflow="ellipsis" vert="horz" wrap="square" lIns="38100" tIns="19050" rIns="38100" bIns="19050" anchor="ctr" anchorCtr="1">
+                <a:spAutoFit/>
+              </a:bodyPr>
+              <a:lstStyle/>
+              <a:p>
+                <a:pPr>
+                  <a:defRPr sz="1197" b="0" i="0" u="none" strike="noStrike" kern="1200" baseline="0">
+                    <a:solidFill>
+                      <a:schemeClr val="dk1">
+                        <a:lumMod val="75000"/>
+                        <a:lumOff val="25000"/>
+                      </a:schemeClr>
+                    </a:solidFill>
+                    <a:latin typeface="+mn-lt"/>
+                    <a:ea typeface="+mn-ea"/>
+                    <a:cs typeface="+mn-cs"/>
+                  </a:defRPr>
+                </a:pPr>
+                <a:endParaRPr lang="en-US"/>
+              </a:p>
+            </c:txPr>
+            <c:showLegendKey val="0"/>
+            <c:showVal val="1"/>
+            <c:showCatName val="0"/>
+            <c:showSerName val="0"/>
+            <c:showPercent val="0"/>
+            <c:showBubbleSize val="0"/>
+            <c:showLeaderLines val="0"/>
+            <c:extLst>
+              <c:ext xmlns:c15="http://schemas.microsoft.com/office/drawing/2012/chart" uri="{CE6537A1-D6FC-4f65-9D91-7224C49458BB}">
+                <c15:layout/>
+                <c15:showLeaderLines val="0"/>
+              </c:ext>
+            </c:extLst>
+          </c:dLbls>
+          <c:trendline>
+            <c:spPr>
+              <a:ln w="19050" cap="rnd">
+                <a:solidFill>
+                  <a:schemeClr val="accent2"/>
+                </a:solidFill>
+              </a:ln>
+              <a:effectLst/>
+            </c:spPr>
+            <c:trendlineType val="linear"/>
+            <c:dispRSqr val="0"/>
+            <c:dispEq val="0"/>
+          </c:trendline>
+          <c:cat>
+            <c:numRef>
+              <c:f>Sheet1!$A$2:$A$6</c:f>
+              <c:numCache>
+                <c:formatCode>m/d/yyyy</c:formatCode>
+                <c:ptCount val="5"/>
+                <c:pt idx="0">
+                  <c:v>42927</c:v>
+                </c:pt>
+                <c:pt idx="1">
+                  <c:v>42928</c:v>
+                </c:pt>
+                <c:pt idx="2">
+                  <c:v>42929</c:v>
+                </c:pt>
+                <c:pt idx="3">
+                  <c:v>42930</c:v>
+                </c:pt>
+                <c:pt idx="4">
+                  <c:v>42931</c:v>
+                </c:pt>
+              </c:numCache>
+            </c:numRef>
+          </c:cat>
+          <c:val>
+            <c:numRef>
+              <c:f>Sheet1!$C$2:$C$6</c:f>
+              <c:numCache>
+                <c:formatCode>General</c:formatCode>
+                <c:ptCount val="5"/>
+                <c:pt idx="0">
+                  <c:v>8</c:v>
+                </c:pt>
+                <c:pt idx="1">
+                  <c:v>9</c:v>
+                </c:pt>
+                <c:pt idx="2">
+                  <c:v>7</c:v>
+                </c:pt>
+                <c:pt idx="3">
+                  <c:v>2</c:v>
+                </c:pt>
+                <c:pt idx="4">
+                  <c:v>3</c:v>
+                </c:pt>
+              </c:numCache>
+            </c:numRef>
+          </c:val>
+        </c:ser>
+        <c:ser>
+          <c:idx val="2"/>
+          <c:order val="2"/>
+          <c:tx>
+            <c:strRef>
+              <c:f>Sheet1!$D$1</c:f>
+              <c:strCache>
+                <c:ptCount val="1"/>
+                <c:pt idx="0">
+                  <c:v>No of Scibes reject</c:v>
+                </c:pt>
+              </c:strCache>
+            </c:strRef>
+          </c:tx>
+          <c:spPr>
+            <a:solidFill>
+              <a:schemeClr val="accent3"/>
+            </a:solidFill>
+            <a:ln>
+              <a:noFill/>
+            </a:ln>
+            <a:effectLst/>
+          </c:spPr>
+          <c:invertIfNegative val="0"/>
+          <c:dLbls>
+            <c:spPr>
+              <a:noFill/>
+              <a:ln>
+                <a:noFill/>
+              </a:ln>
+              <a:effectLst/>
+            </c:spPr>
+            <c:txPr>
+              <a:bodyPr rot="0" spcFirstLastPara="1" vertOverflow="ellipsis" vert="horz" wrap="square" lIns="38100" tIns="19050" rIns="38100" bIns="19050" anchor="ctr" anchorCtr="1">
+                <a:spAutoFit/>
+              </a:bodyPr>
+              <a:lstStyle/>
+              <a:p>
+                <a:pPr>
+                  <a:defRPr sz="1197" b="0" i="0" u="none" strike="noStrike" kern="1200" baseline="0">
+                    <a:solidFill>
+                      <a:schemeClr val="dk1">
+                        <a:lumMod val="75000"/>
+                        <a:lumOff val="25000"/>
+                      </a:schemeClr>
+                    </a:solidFill>
+                    <a:latin typeface="+mn-lt"/>
+                    <a:ea typeface="+mn-ea"/>
+                    <a:cs typeface="+mn-cs"/>
+                  </a:defRPr>
+                </a:pPr>
+                <a:endParaRPr lang="en-US"/>
+              </a:p>
+            </c:txPr>
+            <c:showLegendKey val="0"/>
+            <c:showVal val="1"/>
+            <c:showCatName val="0"/>
+            <c:showSerName val="0"/>
+            <c:showPercent val="0"/>
+            <c:showBubbleSize val="0"/>
+            <c:showLeaderLines val="0"/>
+            <c:extLst>
+              <c:ext xmlns:c15="http://schemas.microsoft.com/office/drawing/2012/chart" uri="{CE6537A1-D6FC-4f65-9D91-7224C49458BB}">
+                <c15:layout/>
+                <c15:showLeaderLines val="0"/>
+              </c:ext>
+            </c:extLst>
+          </c:dLbls>
+          <c:cat>
+            <c:numRef>
+              <c:f>Sheet1!$A$2:$A$6</c:f>
+              <c:numCache>
+                <c:formatCode>m/d/yyyy</c:formatCode>
+                <c:ptCount val="5"/>
+                <c:pt idx="0">
+                  <c:v>42927</c:v>
+                </c:pt>
+                <c:pt idx="1">
+                  <c:v>42928</c:v>
+                </c:pt>
+                <c:pt idx="2">
+                  <c:v>42929</c:v>
+                </c:pt>
+                <c:pt idx="3">
+                  <c:v>42930</c:v>
+                </c:pt>
+                <c:pt idx="4">
+                  <c:v>42931</c:v>
+                </c:pt>
+              </c:numCache>
+            </c:numRef>
+          </c:cat>
+          <c:val>
+            <c:numRef>
+              <c:f>Sheet1!$D$2:$D$6</c:f>
+              <c:numCache>
+                <c:formatCode>General</c:formatCode>
+                <c:ptCount val="5"/>
+                <c:pt idx="0">
+                  <c:v>17</c:v>
+                </c:pt>
+                <c:pt idx="1">
+                  <c:v>11</c:v>
+                </c:pt>
+                <c:pt idx="2">
+                  <c:v>8</c:v>
+                </c:pt>
+                <c:pt idx="3">
+                  <c:v>28</c:v>
+                </c:pt>
+                <c:pt idx="4">
+                  <c:v>33</c:v>
+                </c:pt>
+              </c:numCache>
+            </c:numRef>
+          </c:val>
+        </c:ser>
+        <c:dLbls>
+          <c:showLegendKey val="0"/>
+          <c:showVal val="0"/>
+          <c:showCatName val="0"/>
+          <c:showSerName val="0"/>
+          <c:showPercent val="0"/>
+          <c:showBubbleSize val="0"/>
+        </c:dLbls>
+        <c:gapWidth val="247"/>
+        <c:axId val="406812368"/>
+        <c:axId val="412570064"/>
+      </c:barChart>
+      <c:lineChart>
+        <c:grouping val="standard"/>
+        <c:varyColors val="0"/>
+        <c:ser>
+          <c:idx val="3"/>
+          <c:order val="3"/>
+          <c:tx>
+            <c:strRef>
+              <c:f>Sheet1!$E$1</c:f>
+              <c:strCache>
+                <c:ptCount val="1"/>
+                <c:pt idx="0">
+                  <c:v>Target 10</c:v>
+                </c:pt>
+              </c:strCache>
+            </c:strRef>
+          </c:tx>
+          <c:spPr>
+            <a:ln w="22225" cap="rnd">
+              <a:solidFill>
+                <a:schemeClr val="accent4"/>
+              </a:solidFill>
+              <a:round/>
+            </a:ln>
+            <a:effectLst/>
+          </c:spPr>
+          <c:marker>
+            <c:symbol val="none"/>
+          </c:marker>
+          <c:cat>
+            <c:numRef>
+              <c:f>Sheet1!$A$2:$A$6</c:f>
+              <c:numCache>
+                <c:formatCode>m/d/yyyy</c:formatCode>
+                <c:ptCount val="5"/>
+                <c:pt idx="0">
+                  <c:v>42927</c:v>
+                </c:pt>
+                <c:pt idx="1">
+                  <c:v>42928</c:v>
+                </c:pt>
+                <c:pt idx="2">
+                  <c:v>42929</c:v>
+                </c:pt>
+                <c:pt idx="3">
+                  <c:v>42930</c:v>
+                </c:pt>
+                <c:pt idx="4">
+                  <c:v>42931</c:v>
+                </c:pt>
+              </c:numCache>
+            </c:numRef>
+          </c:cat>
+          <c:val>
+            <c:numRef>
+              <c:f>Sheet1!$E$2:$E$6</c:f>
+              <c:numCache>
+                <c:formatCode>General</c:formatCode>
+                <c:ptCount val="5"/>
+                <c:pt idx="0">
+                  <c:v>10</c:v>
+                </c:pt>
+                <c:pt idx="1">
+                  <c:v>10</c:v>
+                </c:pt>
+                <c:pt idx="2">
+                  <c:v>10</c:v>
+                </c:pt>
+                <c:pt idx="3">
+                  <c:v>10</c:v>
+                </c:pt>
+                <c:pt idx="4">
+                  <c:v>10</c:v>
+                </c:pt>
+              </c:numCache>
+            </c:numRef>
+          </c:val>
+          <c:smooth val="0"/>
+        </c:ser>
+        <c:dLbls>
+          <c:showLegendKey val="0"/>
+          <c:showVal val="0"/>
+          <c:showCatName val="0"/>
+          <c:showSerName val="0"/>
+          <c:showPercent val="0"/>
+          <c:showBubbleSize val="0"/>
+        </c:dLbls>
+        <c:marker val="1"/>
+        <c:smooth val="0"/>
+        <c:axId val="406812368"/>
+        <c:axId val="412570064"/>
+      </c:lineChart>
+      <c:dateAx>
+        <c:axId val="406812368"/>
+        <c:scaling>
+          <c:orientation val="minMax"/>
+        </c:scaling>
+        <c:delete val="0"/>
+        <c:axPos val="b"/>
+        <c:numFmt formatCode="m/d/yyyy" sourceLinked="1"/>
+        <c:majorTickMark val="out"/>
+        <c:minorTickMark val="none"/>
+        <c:tickLblPos val="nextTo"/>
+        <c:spPr>
+          <a:noFill/>
+          <a:ln w="9525" cap="flat" cmpd="sng" algn="ctr">
+            <a:solidFill>
+              <a:schemeClr val="dk1">
+                <a:lumMod val="15000"/>
+                <a:lumOff val="85000"/>
+              </a:schemeClr>
+            </a:solidFill>
+            <a:round/>
+          </a:ln>
+          <a:effectLst/>
+        </c:spPr>
+        <c:txPr>
+          <a:bodyPr rot="-60000000" spcFirstLastPara="1" vertOverflow="ellipsis" vert="horz" wrap="square" anchor="ctr" anchorCtr="1"/>
+          <a:lstStyle/>
+          <a:p>
+            <a:pPr>
+              <a:defRPr sz="1197" b="0" i="0" u="none" strike="noStrike" kern="1200" cap="none" spc="0" normalizeH="0" baseline="0">
+                <a:solidFill>
+                  <a:schemeClr val="dk1">
+                    <a:lumMod val="65000"/>
+                    <a:lumOff val="35000"/>
+                  </a:schemeClr>
+                </a:solidFill>
+                <a:latin typeface="+mn-lt"/>
+                <a:ea typeface="+mn-ea"/>
+                <a:cs typeface="+mn-cs"/>
+              </a:defRPr>
+            </a:pPr>
+            <a:endParaRPr lang="en-US"/>
+          </a:p>
+        </c:txPr>
+        <c:crossAx val="412570064"/>
+        <c:crosses val="autoZero"/>
+        <c:auto val="1"/>
+        <c:lblOffset val="100"/>
+        <c:baseTimeUnit val="days"/>
+      </c:dateAx>
+      <c:valAx>
+        <c:axId val="412570064"/>
+        <c:scaling>
+          <c:orientation val="minMax"/>
+        </c:scaling>
+        <c:delete val="0"/>
+        <c:axPos val="l"/>
+        <c:majorGridlines>
+          <c:spPr>
+            <a:ln w="9525" cap="flat" cmpd="sng" algn="ctr">
+              <a:solidFill>
+                <a:schemeClr val="dk1">
+                  <a:lumMod val="15000"/>
+                  <a:lumOff val="85000"/>
+                </a:schemeClr>
+              </a:solidFill>
+              <a:round/>
+            </a:ln>
+            <a:effectLst/>
+          </c:spPr>
+        </c:majorGridlines>
+        <c:numFmt formatCode="General" sourceLinked="1"/>
+        <c:majorTickMark val="none"/>
+        <c:minorTickMark val="none"/>
+        <c:tickLblPos val="nextTo"/>
+        <c:spPr>
+          <a:noFill/>
+          <a:ln>
+            <a:noFill/>
+          </a:ln>
+          <a:effectLst/>
+        </c:spPr>
+        <c:txPr>
+          <a:bodyPr rot="-60000000" spcFirstLastPara="1" vertOverflow="ellipsis" vert="horz" wrap="square" anchor="ctr" anchorCtr="1"/>
+          <a:lstStyle/>
+          <a:p>
+            <a:pPr>
+              <a:defRPr sz="1197" b="0" i="0" u="none" strike="noStrike" kern="1200" baseline="0">
+                <a:solidFill>
+                  <a:schemeClr val="dk1">
+                    <a:lumMod val="65000"/>
+                    <a:lumOff val="35000"/>
+                  </a:schemeClr>
+                </a:solidFill>
+                <a:latin typeface="+mn-lt"/>
+                <a:ea typeface="+mn-ea"/>
+                <a:cs typeface="+mn-cs"/>
+              </a:defRPr>
+            </a:pPr>
+            <a:endParaRPr lang="en-US"/>
+          </a:p>
+        </c:txPr>
+        <c:crossAx val="406812368"/>
+        <c:crosses val="autoZero"/>
+        <c:crossBetween val="between"/>
+      </c:valAx>
+      <c:spPr>
+        <a:pattFill prst="ltDnDiag">
+          <a:fgClr>
+            <a:schemeClr val="dk1">
+              <a:lumMod val="15000"/>
+              <a:lumOff val="85000"/>
+            </a:schemeClr>
+          </a:fgClr>
+          <a:bgClr>
+            <a:schemeClr val="lt1"/>
+          </a:bgClr>
+        </a:pattFill>
+        <a:ln>
+          <a:noFill/>
+        </a:ln>
+        <a:effectLst/>
+      </c:spPr>
+    </c:plotArea>
+    <c:legend>
+      <c:legendPos val="b"/>
+      <c:layout/>
+      <c:overlay val="0"/>
+      <c:spPr>
+        <a:noFill/>
+        <a:ln>
+          <a:noFill/>
+        </a:ln>
+        <a:effectLst/>
+      </c:spPr>
+      <c:txPr>
+        <a:bodyPr rot="0" spcFirstLastPara="1" vertOverflow="ellipsis" vert="horz" wrap="square" anchor="ctr" anchorCtr="1"/>
+        <a:lstStyle/>
+        <a:p>
+          <a:pPr>
+            <a:defRPr sz="1197" b="0" i="0" u="none" strike="noStrike" kern="1200" baseline="0">
+              <a:solidFill>
+                <a:schemeClr val="dk1">
+                  <a:lumMod val="65000"/>
+                  <a:lumOff val="35000"/>
+                </a:schemeClr>
+              </a:solidFill>
+              <a:latin typeface="+mn-lt"/>
+              <a:ea typeface="+mn-ea"/>
+              <a:cs typeface="+mn-cs"/>
+            </a:defRPr>
+          </a:pPr>
+          <a:endParaRPr lang="en-US"/>
+        </a:p>
+      </c:txPr>
+    </c:legend>
+    <c:plotVisOnly val="1"/>
+    <c:dispBlanksAs val="gap"/>
+    <c:showDLblsOverMax val="0"/>
+  </c:chart>
+  <c:spPr>
+    <a:solidFill>
+      <a:schemeClr val="lt1"/>
+    </a:solidFill>
+    <a:ln w="9525" cap="flat" cmpd="sng" algn="ctr">
+      <a:solidFill>
+        <a:schemeClr val="dk1">
+          <a:lumMod val="15000"/>
+          <a:lumOff val="85000"/>
+        </a:schemeClr>
+      </a:solidFill>
+      <a:round/>
+    </a:ln>
+    <a:effectLst/>
+  </c:spPr>
+  <c:txPr>
+    <a:bodyPr/>
+    <a:lstStyle/>
+    <a:p>
+      <a:pPr>
+        <a:defRPr/>
+      </a:pPr>
+      <a:endParaRPr lang="en-US"/>
+    </a:p>
+  </c:txPr>
+  <c:externalData r:id="rId3">
+    <c:autoUpdate val="0"/>
+  </c:externalData>
+  <c:userShapes r:id="rId4"/>
+</c:chartSpace>
+</file>
+
+<file path=ppt/charts/colors1.xml><?xml version="1.0" encoding="utf-8"?>
+<cs:colorStyle xmlns:cs="http://schemas.microsoft.com/office/drawing/2012/chartStyle" xmlns:a="http://schemas.openxmlformats.org/drawingml/2006/main" meth="cycle" id="10">
+  <a:schemeClr val="accent1"/>
+  <a:schemeClr val="accent2"/>
+  <a:schemeClr val="accent3"/>
+  <a:schemeClr val="accent4"/>
+  <a:schemeClr val="accent5"/>
+  <a:schemeClr val="accent6"/>
+  <cs:variation/>
+  <cs:variation>
+    <a:lumMod val="60000"/>
+  </cs:variation>
+  <cs:variation>
+    <a:lumMod val="80000"/>
+    <a:lumOff val="20000"/>
+  </cs:variation>
+  <cs:variation>
+    <a:lumMod val="80000"/>
+  </cs:variation>
+  <cs:variation>
+    <a:lumMod val="60000"/>
+    <a:lumOff val="40000"/>
+  </cs:variation>
+  <cs:variation>
+    <a:lumMod val="50000"/>
+  </cs:variation>
+  <cs:variation>
+    <a:lumMod val="70000"/>
+    <a:lumOff val="30000"/>
+  </cs:variation>
+  <cs:variation>
+    <a:lumMod val="70000"/>
+  </cs:variation>
+  <cs:variation>
+    <a:lumMod val="50000"/>
+    <a:lumOff val="50000"/>
+  </cs:variation>
+</cs:colorStyle>
+</file>
+
+<file path=ppt/charts/style1.xml><?xml version="1.0" encoding="utf-8"?>
+<cs:chartStyle xmlns:cs="http://schemas.microsoft.com/office/drawing/2012/chartStyle" xmlns:a="http://schemas.openxmlformats.org/drawingml/2006/main" id="221">
+  <cs:axisTitle>
+    <cs:lnRef idx="0"/>
+    <cs:fillRef idx="0"/>
+    <cs:effectRef idx="0"/>
+    <cs:fontRef idx="minor">
+      <a:schemeClr val="dk1">
+        <a:lumMod val="65000"/>
+        <a:lumOff val="35000"/>
+      </a:schemeClr>
+    </cs:fontRef>
+    <cs:defRPr sz="1197" b="1" kern="1200"/>
+  </cs:axisTitle>
+  <cs:categoryAxis>
+    <cs:lnRef idx="0"/>
+    <cs:fillRef idx="0"/>
+    <cs:effectRef idx="0"/>
+    <cs:fontRef idx="minor">
+      <a:schemeClr val="dk1">
+        <a:lumMod val="65000"/>
+        <a:lumOff val="35000"/>
+      </a:schemeClr>
+    </cs:fontRef>
+    <cs:spPr>
+      <a:ln w="9525" cap="flat" cmpd="sng" algn="ctr">
+        <a:solidFill>
+          <a:schemeClr val="dk1">
+            <a:lumMod val="15000"/>
+            <a:lumOff val="85000"/>
+          </a:schemeClr>
+        </a:solidFill>
+        <a:round/>
+      </a:ln>
+    </cs:spPr>
+    <cs:defRPr sz="1197" kern="1200" cap="none" spc="0" normalizeH="0" baseline="0"/>
+  </cs:categoryAxis>
+  <cs:chartArea>
+    <cs:lnRef idx="0"/>
+    <cs:fillRef idx="0"/>
+    <cs:effectRef idx="0"/>
+    <cs:fontRef idx="minor">
+      <a:schemeClr val="dk1"/>
+    </cs:fontRef>
+    <cs:spPr>
+      <a:solidFill>
+        <a:schemeClr val="lt1"/>
+      </a:solidFill>
+      <a:ln w="9525" cap="flat" cmpd="sng" algn="ctr">
+        <a:solidFill>
+          <a:schemeClr val="dk1">
+            <a:lumMod val="15000"/>
+            <a:lumOff val="85000"/>
+          </a:schemeClr>
+        </a:solidFill>
+        <a:round/>
+      </a:ln>
+    </cs:spPr>
+    <cs:defRPr sz="1197" kern="1200"/>
+  </cs:chartArea>
+  <cs:dataLabel>
+    <cs:lnRef idx="0"/>
+    <cs:fillRef idx="0"/>
+    <cs:effectRef idx="0"/>
+    <cs:fontRef idx="minor">
+      <a:schemeClr val="dk1">
+        <a:lumMod val="75000"/>
+        <a:lumOff val="25000"/>
+      </a:schemeClr>
+    </cs:fontRef>
+    <cs:defRPr sz="1197" kern="1200"/>
+  </cs:dataLabel>
+  <cs:dataLabelCallout>
+    <cs:lnRef idx="0"/>
+    <cs:fillRef idx="0"/>
+    <cs:effectRef idx="0"/>
+    <cs:fontRef idx="minor">
+      <a:schemeClr val="dk1">
+        <a:lumMod val="65000"/>
+        <a:lumOff val="35000"/>
+      </a:schemeClr>
+    </cs:fontRef>
+    <cs:spPr>
+      <a:solidFill>
+        <a:schemeClr val="lt1"/>
+      </a:solidFill>
+      <a:ln>
+        <a:solidFill>
+          <a:schemeClr val="dk1">
+            <a:lumMod val="25000"/>
+            <a:lumOff val="75000"/>
+          </a:schemeClr>
+        </a:solidFill>
+      </a:ln>
+    </cs:spPr>
+    <cs:defRPr sz="1197" kern="1200"/>
+    <cs:bodyPr rot="0" spcFirstLastPara="1" vertOverflow="clip" horzOverflow="clip" vert="horz" wrap="square" lIns="36576" tIns="18288" rIns="36576" bIns="18288" anchor="ctr" anchorCtr="1">
+      <a:spAutoFit/>
+    </cs:bodyPr>
+  </cs:dataLabelCallout>
+  <cs:dataPoint>
+    <cs:lnRef idx="0"/>
+    <cs:fillRef idx="0">
+      <cs:styleClr val="auto"/>
+    </cs:fillRef>
+    <cs:effectRef idx="0"/>
+    <cs:fontRef idx="minor">
+      <a:schemeClr val="dk1"/>
+    </cs:fontRef>
+    <cs:spPr>
+      <a:solidFill>
+        <a:schemeClr val="phClr"/>
+      </a:solidFill>
+    </cs:spPr>
+  </cs:dataPoint>
+  <cs:dataPoint3D>
+    <cs:lnRef idx="0"/>
+    <cs:fillRef idx="0">
+      <cs:styleClr val="auto"/>
+    </cs:fillRef>
+    <cs:effectRef idx="0"/>
+    <cs:fontRef idx="minor">
+      <a:schemeClr val="dk1"/>
+    </cs:fontRef>
+    <cs:spPr>
+      <a:solidFill>
+        <a:schemeClr val="phClr"/>
+      </a:solidFill>
+    </cs:spPr>
+  </cs:dataPoint3D>
+  <cs:dataPointLine>
+    <cs:lnRef idx="0">
+      <cs:styleClr val="auto"/>
+    </cs:lnRef>
+    <cs:fillRef idx="0"/>
+    <cs:effectRef idx="0"/>
+    <cs:fontRef idx="minor">
+      <a:schemeClr val="dk1"/>
+    </cs:fontRef>
+    <cs:spPr>
+      <a:ln w="22225" cap="rnd">
+        <a:solidFill>
+          <a:schemeClr val="phClr"/>
+        </a:solidFill>
+        <a:round/>
+      </a:ln>
+    </cs:spPr>
+  </cs:dataPointLine>
+  <cs:dataPointMarker>
+    <cs:lnRef idx="0">
+      <cs:styleClr val="auto"/>
+    </cs:lnRef>
+    <cs:fillRef idx="0">
+      <cs:styleClr val="auto"/>
+    </cs:fillRef>
+    <cs:effectRef idx="0"/>
+    <cs:fontRef idx="minor">
+      <a:schemeClr val="dk1"/>
+    </cs:fontRef>
+    <cs:spPr>
+      <a:solidFill>
+        <a:schemeClr val="lt1"/>
+      </a:solidFill>
+      <a:ln w="15875">
+        <a:solidFill>
+          <a:schemeClr val="phClr"/>
+        </a:solidFill>
+        <a:round/>
+      </a:ln>
+    </cs:spPr>
+  </cs:dataPointMarker>
+  <cs:dataPointMarkerLayout symbol="circle" size="6"/>
+  <cs:dataPointWireframe>
+    <cs:lnRef idx="0">
+      <cs:styleClr val="auto"/>
+    </cs:lnRef>
+    <cs:fillRef idx="0"/>
+    <cs:effectRef idx="0"/>
+    <cs:fontRef idx="minor">
+      <a:schemeClr val="dk1"/>
+    </cs:fontRef>
+    <cs:spPr>
+      <a:ln w="9525" cap="rnd">
+        <a:solidFill>
+          <a:schemeClr val="phClr"/>
+        </a:solidFill>
+        <a:round/>
+      </a:ln>
+    </cs:spPr>
+  </cs:dataPointWireframe>
+  <cs:dataTable>
+    <cs:lnRef idx="0"/>
+    <cs:fillRef idx="0"/>
+    <cs:effectRef idx="0"/>
+    <cs:fontRef idx="minor">
+      <a:schemeClr val="dk1">
+        <a:lumMod val="65000"/>
+        <a:lumOff val="35000"/>
+      </a:schemeClr>
+    </cs:fontRef>
+    <cs:spPr>
+      <a:ln w="9525" cap="flat" cmpd="sng" algn="ctr">
+        <a:solidFill>
+          <a:schemeClr val="dk1">
+            <a:lumMod val="15000"/>
+            <a:lumOff val="85000"/>
+          </a:schemeClr>
+        </a:solidFill>
+        <a:round/>
+      </a:ln>
+    </cs:spPr>
+    <cs:defRPr sz="1064" kern="1200"/>
+  </cs:dataTable>
+  <cs:downBar>
+    <cs:lnRef idx="0"/>
+    <cs:fillRef idx="0"/>
+    <cs:effectRef idx="0"/>
+    <cs:fontRef idx="minor">
+      <a:schemeClr val="dk1"/>
+    </cs:fontRef>
+    <cs:spPr>
+      <a:solidFill>
+        <a:schemeClr val="dk1">
+          <a:lumMod val="75000"/>
+          <a:lumOff val="25000"/>
+        </a:schemeClr>
+      </a:solidFill>
+      <a:ln w="9525" cap="flat" cmpd="sng" algn="ctr">
+        <a:solidFill>
+          <a:schemeClr val="dk1">
+            <a:lumMod val="50000"/>
+            <a:lumOff val="50000"/>
+          </a:schemeClr>
+        </a:solidFill>
+        <a:round/>
+      </a:ln>
+    </cs:spPr>
+  </cs:downBar>
+  <cs:dropLine>
+    <cs:lnRef idx="0"/>
+    <cs:fillRef idx="0"/>
+    <cs:effectRef idx="0"/>
+    <cs:fontRef idx="minor">
+      <a:schemeClr val="dk1"/>
+    </cs:fontRef>
+    <cs:spPr>
+      <a:ln w="9525" cap="flat" cmpd="sng" algn="ctr">
+        <a:solidFill>
+          <a:schemeClr val="dk1">
+            <a:lumMod val="35000"/>
+            <a:lumOff val="65000"/>
+          </a:schemeClr>
+        </a:solidFill>
+        <a:round/>
+      </a:ln>
+    </cs:spPr>
+  </cs:dropLine>
+  <cs:errorBar>
+    <cs:lnRef idx="0"/>
+    <cs:fillRef idx="0"/>
+    <cs:effectRef idx="0"/>
+    <cs:fontRef idx="minor">
+      <a:schemeClr val="dk1"/>
+    </cs:fontRef>
+    <cs:spPr>
+      <a:ln w="9525" cap="flat" cmpd="sng" algn="ctr">
+        <a:solidFill>
+          <a:schemeClr val="dk1">
+            <a:lumMod val="50000"/>
+            <a:lumOff val="50000"/>
+          </a:schemeClr>
+        </a:solidFill>
+        <a:round/>
+      </a:ln>
+    </cs:spPr>
+  </cs:errorBar>
+  <cs:floor>
+    <cs:lnRef idx="0"/>
+    <cs:fillRef idx="0"/>
+    <cs:effectRef idx="0"/>
+    <cs:fontRef idx="minor">
+      <a:schemeClr val="dk1"/>
+    </cs:fontRef>
+    <cs:spPr>
+      <a:pattFill prst="ltDnDiag">
+        <a:fgClr>
+          <a:schemeClr val="dk1">
+            <a:lumMod val="15000"/>
+            <a:lumOff val="85000"/>
+          </a:schemeClr>
+        </a:fgClr>
+        <a:bgClr>
+          <a:schemeClr val="lt1"/>
+        </a:bgClr>
+      </a:pattFill>
+    </cs:spPr>
+  </cs:floor>
+  <cs:gridlineMajor>
+    <cs:lnRef idx="0"/>
+    <cs:fillRef idx="0"/>
+    <cs:effectRef idx="0"/>
+    <cs:fontRef idx="minor">
+      <a:schemeClr val="dk1"/>
+    </cs:fontRef>
+    <cs:spPr>
+      <a:ln w="9525" cap="flat" cmpd="sng" algn="ctr">
+        <a:solidFill>
+          <a:schemeClr val="dk1">
+            <a:lumMod val="15000"/>
+            <a:lumOff val="85000"/>
+          </a:schemeClr>
+        </a:solidFill>
+        <a:round/>
+      </a:ln>
+    </cs:spPr>
+  </cs:gridlineMajor>
+  <cs:gridlineMinor>
+    <cs:lnRef idx="0"/>
+    <cs:fillRef idx="0"/>
+    <cs:effectRef idx="0"/>
+    <cs:fontRef idx="minor">
+      <a:schemeClr val="dk1"/>
+    </cs:fontRef>
+    <cs:spPr>
+      <a:ln w="9525" cap="flat" cmpd="sng" algn="ctr">
+        <a:solidFill>
+          <a:schemeClr val="dk1">
+            <a:lumMod val="5000"/>
+            <a:lumOff val="95000"/>
+          </a:schemeClr>
+        </a:solidFill>
+        <a:round/>
+      </a:ln>
+    </cs:spPr>
+  </cs:gridlineMinor>
+  <cs:hiLoLine>
+    <cs:lnRef idx="0"/>
+    <cs:fillRef idx="0"/>
+    <cs:effectRef idx="0"/>
+    <cs:fontRef idx="minor">
+      <a:schemeClr val="dk1"/>
+    </cs:fontRef>
+    <cs:spPr>
+      <a:ln w="9525" cap="flat" cmpd="sng" algn="ctr">
+        <a:solidFill>
+          <a:schemeClr val="dk1">
+            <a:lumMod val="35000"/>
+            <a:lumOff val="65000"/>
+          </a:schemeClr>
+        </a:solidFill>
+        <a:round/>
+      </a:ln>
+    </cs:spPr>
+  </cs:hiLoLine>
+  <cs:leaderLine>
+    <cs:lnRef idx="0"/>
+    <cs:fillRef idx="0"/>
+    <cs:effectRef idx="0"/>
+    <cs:fontRef idx="minor">
+      <a:schemeClr val="dk1"/>
+    </cs:fontRef>
+    <cs:spPr>
+      <a:ln w="9525" cap="flat" cmpd="sng" algn="ctr">
+        <a:solidFill>
+          <a:schemeClr val="dk1">
+            <a:lumMod val="35000"/>
+            <a:lumOff val="65000"/>
+          </a:schemeClr>
+        </a:solidFill>
+        <a:round/>
+      </a:ln>
+    </cs:spPr>
+  </cs:leaderLine>
+  <cs:legend>
+    <cs:lnRef idx="0"/>
+    <cs:fillRef idx="0"/>
+    <cs:effectRef idx="0"/>
+    <cs:fontRef idx="minor">
+      <a:schemeClr val="dk1">
+        <a:lumMod val="65000"/>
+        <a:lumOff val="35000"/>
+      </a:schemeClr>
+    </cs:fontRef>
+    <cs:defRPr sz="1197" kern="1200"/>
+  </cs:legend>
+  <cs:plotArea>
+    <cs:lnRef idx="0"/>
+    <cs:fillRef idx="0"/>
+    <cs:effectRef idx="0"/>
+    <cs:fontRef idx="minor">
+      <a:schemeClr val="dk1"/>
+    </cs:fontRef>
+    <cs:spPr>
+      <a:pattFill prst="ltDnDiag">
+        <a:fgClr>
+          <a:schemeClr val="dk1">
+            <a:lumMod val="15000"/>
+            <a:lumOff val="85000"/>
+          </a:schemeClr>
+        </a:fgClr>
+        <a:bgClr>
+          <a:schemeClr val="lt1"/>
+        </a:bgClr>
+      </a:pattFill>
+    </cs:spPr>
+  </cs:plotArea>
+  <cs:plotArea3D>
+    <cs:lnRef idx="0"/>
+    <cs:fillRef idx="0"/>
+    <cs:effectRef idx="0"/>
+    <cs:fontRef idx="minor">
+      <a:schemeClr val="dk1"/>
+    </cs:fontRef>
+    <cs:spPr>
+      <a:solidFill>
+        <a:schemeClr val="lt1"/>
+      </a:solidFill>
+    </cs:spPr>
+  </cs:plotArea3D>
+  <cs:seriesAxis>
+    <cs:lnRef idx="0"/>
+    <cs:fillRef idx="0"/>
+    <cs:effectRef idx="0"/>
+    <cs:fontRef idx="minor">
+      <a:schemeClr val="dk1">
+        <a:lumMod val="65000"/>
+        <a:lumOff val="35000"/>
+      </a:schemeClr>
+    </cs:fontRef>
+    <cs:defRPr sz="1197" kern="1200"/>
+  </cs:seriesAxis>
+  <cs:seriesLine>
+    <cs:lnRef idx="0"/>
+    <cs:fillRef idx="0"/>
+    <cs:effectRef idx="0"/>
+    <cs:fontRef idx="minor">
+      <a:schemeClr val="dk1"/>
+    </cs:fontRef>
+    <cs:spPr>
+      <a:ln w="9525" cap="flat" cmpd="sng" algn="ctr">
+        <a:solidFill>
+          <a:schemeClr val="dk1">
+            <a:lumMod val="35000"/>
+            <a:lumOff val="65000"/>
+          </a:schemeClr>
+        </a:solidFill>
+        <a:round/>
+      </a:ln>
+    </cs:spPr>
+  </cs:seriesLine>
+  <cs:title>
+    <cs:lnRef idx="0"/>
+    <cs:fillRef idx="0"/>
+    <cs:effectRef idx="0"/>
+    <cs:fontRef idx="major">
+      <a:schemeClr val="dk1">
+        <a:lumMod val="50000"/>
+        <a:lumOff val="50000"/>
+      </a:schemeClr>
+    </cs:fontRef>
+    <cs:defRPr sz="2128" b="1" kern="1200" cap="none" spc="0" normalizeH="0" baseline="0"/>
+  </cs:title>
+  <cs:trendline>
+    <cs:lnRef idx="0">
+      <cs:styleClr val="auto"/>
+    </cs:lnRef>
+    <cs:fillRef idx="0"/>
+    <cs:effectRef idx="0"/>
+    <cs:fontRef idx="minor">
+      <a:schemeClr val="dk1"/>
+    </cs:fontRef>
+    <cs:spPr>
+      <a:ln w="19050" cap="rnd">
+        <a:solidFill>
+          <a:schemeClr val="phClr"/>
+        </a:solidFill>
+      </a:ln>
+    </cs:spPr>
+  </cs:trendline>
+  <cs:trendlineLabel>
+    <cs:lnRef idx="0"/>
+    <cs:fillRef idx="0"/>
+    <cs:effectRef idx="0"/>
+    <cs:fontRef idx="minor">
+      <a:schemeClr val="dk1">
+        <a:lumMod val="65000"/>
+        <a:lumOff val="35000"/>
+      </a:schemeClr>
+    </cs:fontRef>
+    <cs:defRPr sz="1197" kern="1200"/>
+  </cs:trendlineLabel>
+  <cs:upBar>
+    <cs:lnRef idx="0"/>
+    <cs:fillRef idx="0"/>
+    <cs:effectRef idx="0"/>
+    <cs:fontRef idx="minor">
+      <a:schemeClr val="dk1"/>
+    </cs:fontRef>
+    <cs:spPr>
+      <a:solidFill>
+        <a:schemeClr val="lt1"/>
+      </a:solidFill>
+      <a:ln w="9525" cap="flat" cmpd="sng" algn="ctr">
+        <a:solidFill>
+          <a:schemeClr val="dk1">
+            <a:lumMod val="50000"/>
+            <a:lumOff val="50000"/>
+          </a:schemeClr>
+        </a:solidFill>
+        <a:round/>
+      </a:ln>
+    </cs:spPr>
+  </cs:upBar>
+  <cs:valueAxis>
+    <cs:lnRef idx="0"/>
+    <cs:fillRef idx="0"/>
+    <cs:effectRef idx="0"/>
+    <cs:fontRef idx="minor">
+      <a:schemeClr val="dk1">
+        <a:lumMod val="65000"/>
+        <a:lumOff val="35000"/>
+      </a:schemeClr>
+    </cs:fontRef>
+    <cs:defRPr sz="1197" kern="1200"/>
+  </cs:valueAxis>
+  <cs:wall>
+    <cs:lnRef idx="0"/>
+    <cs:fillRef idx="0"/>
+    <cs:effectRef idx="0"/>
+    <cs:fontRef idx="minor">
+      <a:schemeClr val="dk1"/>
+    </cs:fontRef>
+    <cs:spPr>
+      <a:pattFill prst="ltDnDiag">
+        <a:fgClr>
+          <a:schemeClr val="dk1">
+            <a:lumMod val="15000"/>
+            <a:lumOff val="85000"/>
+          </a:schemeClr>
+        </a:fgClr>
+        <a:bgClr>
+          <a:schemeClr val="lt1"/>
+        </a:bgClr>
+      </a:pattFill>
+    </cs:spPr>
+  </cs:wall>
+</cs:chartStyle>
+</file>
+
+<file path=ppt/drawings/drawing1.xml><?xml version="1.0" encoding="utf-8"?>
+<c:userShapes xmlns:c="http://schemas.openxmlformats.org/drawingml/2006/chart">
+  <cdr:relSizeAnchor xmlns:cdr="http://schemas.openxmlformats.org/drawingml/2006/chartDrawing">
+    <cdr:from>
+      <cdr:x>0.29044</cdr:x>
+      <cdr:y>0.00843</cdr:y>
+    </cdr:from>
+    <cdr:to>
+      <cdr:x>0.65043</cdr:x>
+      <cdr:y>0.29494</cdr:y>
+    </cdr:to>
+    <cdr:sp macro="" textlink="">
+      <cdr:nvSpPr>
+        <cdr:cNvPr id="2" name="TextBox 1"/>
+        <cdr:cNvSpPr txBox="1"/>
+      </cdr:nvSpPr>
+      <cdr:spPr>
+        <a:xfrm xmlns:a="http://schemas.openxmlformats.org/drawingml/2006/main">
+          <a:off x="1590677" y="28575"/>
+          <a:ext cx="1971674" cy="971550"/>
+        </a:xfrm>
+        <a:prstGeom xmlns:a="http://schemas.openxmlformats.org/drawingml/2006/main" prst="rect">
+          <a:avLst/>
+        </a:prstGeom>
+      </cdr:spPr>
+      <cdr:txBody>
+        <a:bodyPr xmlns:a="http://schemas.openxmlformats.org/drawingml/2006/main" vertOverflow="clip" wrap="none" rtlCol="0"/>
+        <a:lstStyle xmlns:a="http://schemas.openxmlformats.org/drawingml/2006/main"/>
+        <a:p xmlns:a="http://schemas.openxmlformats.org/drawingml/2006/main">
+          <a:r>
+            <a:rPr lang="en-IN" sz="1400" b="1"/>
+            <a:t>I &amp;</a:t>
+          </a:r>
+          <a:r>
+            <a:rPr lang="en-IN" sz="1400" b="1" baseline="0"/>
+            <a:t> </a:t>
+          </a:r>
+          <a:r>
+            <a:rPr lang="en-IN" sz="1400" b="1"/>
+            <a:t>Eye Weekly</a:t>
+          </a:r>
+          <a:r>
+            <a:rPr lang="en-IN" sz="1400" b="1" baseline="0"/>
+            <a:t> snapshot</a:t>
+          </a:r>
+          <a:endParaRPr lang="en-IN" sz="1400" b="1"/>
+        </a:p>
+      </cdr:txBody>
+    </cdr:sp>
+  </cdr:relSizeAnchor>
+</c:userShapes>
 </file>
 
 <file path=ppt/slideLayouts/slideLayout1.xml><?xml version="1.0" encoding="utf-8"?>
@@ -5392,7 +6738,7 @@
           <a:bodyPr/>
           <a:lstStyle/>
           <a:p>
-            <a:endParaRPr lang="en-IN"/>
+            <a:endParaRPr lang="en-IN" dirty="0"/>
           </a:p>
         </p:txBody>
       </p:sp>
@@ -6248,30 +7594,30 @@
           </a:prstGeom>
         </p:spPr>
       </p:pic>
-      <p:pic>
-        <p:nvPicPr>
-          <p:cNvPr id="6" name="Picture 5"/>
-          <p:cNvPicPr>
-            <a:picLocks noChangeAspect="1"/>
-          </p:cNvPicPr>
-          <p:nvPr/>
-        </p:nvPicPr>
-        <p:blipFill>
-          <a:blip r:embed="rId3"/>
-          <a:stretch>
-            <a:fillRect/>
-          </a:stretch>
-        </p:blipFill>
-        <p:spPr>
-          <a:xfrm>
-            <a:off x="686636" y="2266682"/>
-            <a:ext cx="6046960" cy="3749115"/>
-          </a:xfrm>
-          <a:prstGeom prst="rect">
-            <a:avLst/>
-          </a:prstGeom>
-        </p:spPr>
-      </p:pic>
+      <p:graphicFrame>
+        <p:nvGraphicFramePr>
+          <p:cNvPr id="7" name="Chart 6"/>
+          <p:cNvGraphicFramePr>
+            <a:graphicFrameLocks/>
+          </p:cNvGraphicFramePr>
+          <p:nvPr>
+            <p:extLst>
+              <p:ext uri="{D42A27DB-BD31-4B8C-83A1-F6EECF244321}">
+                <p14:modId xmlns:p14="http://schemas.microsoft.com/office/powerpoint/2010/main" val="1403292147"/>
+              </p:ext>
+            </p:extLst>
+          </p:nvPr>
+        </p:nvGraphicFramePr>
+        <p:xfrm>
+          <a:off x="375118" y="2301561"/>
+          <a:ext cx="6918618" cy="4428125"/>
+        </p:xfrm>
+        <a:graphic>
+          <a:graphicData uri="http://schemas.openxmlformats.org/drawingml/2006/chart">
+            <c:chart xmlns:c="http://schemas.openxmlformats.org/drawingml/2006/chart" xmlns:r="http://schemas.openxmlformats.org/officeDocument/2006/relationships" r:id="rId3"/>
+          </a:graphicData>
+        </a:graphic>
+      </p:graphicFrame>
     </p:spTree>
     <p:extLst>
       <p:ext uri="{BB962C8B-B14F-4D97-AF65-F5344CB8AC3E}">

--- a/iandeye.pptx
+++ b/iandeye.pptx
@@ -535,8 +535,8 @@
           <c:showBubbleSize val="0"/>
         </c:dLbls>
         <c:gapWidth val="247"/>
-        <c:axId val="406812368"/>
-        <c:axId val="412570064"/>
+        <c:axId val="-853479888"/>
+        <c:axId val="-853468464"/>
       </c:barChart>
       <c:lineChart>
         <c:grouping val="standard"/>
@@ -627,11 +627,11 @@
         </c:dLbls>
         <c:marker val="1"/>
         <c:smooth val="0"/>
-        <c:axId val="406812368"/>
-        <c:axId val="412570064"/>
+        <c:axId val="-853479888"/>
+        <c:axId val="-853468464"/>
       </c:lineChart>
       <c:dateAx>
-        <c:axId val="406812368"/>
+        <c:axId val="-853479888"/>
         <c:scaling>
           <c:orientation val="minMax"/>
         </c:scaling>
@@ -674,14 +674,14 @@
             <a:endParaRPr lang="en-US"/>
           </a:p>
         </c:txPr>
-        <c:crossAx val="412570064"/>
+        <c:crossAx val="-853468464"/>
         <c:crosses val="autoZero"/>
         <c:auto val="1"/>
         <c:lblOffset val="100"/>
         <c:baseTimeUnit val="days"/>
       </c:dateAx>
       <c:valAx>
-        <c:axId val="412570064"/>
+        <c:axId val="-853468464"/>
         <c:scaling>
           <c:orientation val="minMax"/>
         </c:scaling>
@@ -732,7 +732,7 @@
             <a:endParaRPr lang="en-US"/>
           </a:p>
         </c:txPr>
-        <c:crossAx val="406812368"/>
+        <c:crossAx val="-853479888"/>
         <c:crosses val="autoZero"/>
         <c:crossBetween val="between"/>
       </c:valAx>
@@ -6723,25 +6723,6 @@
           </a:p>
         </p:txBody>
       </p:sp>
-      <p:sp>
-        <p:nvSpPr>
-          <p:cNvPr id="3" name="Subtitle 2"/>
-          <p:cNvSpPr>
-            <a:spLocks noGrp="1"/>
-          </p:cNvSpPr>
-          <p:nvPr>
-            <p:ph type="subTitle" idx="1"/>
-          </p:nvPr>
-        </p:nvSpPr>
-        <p:spPr/>
-        <p:txBody>
-          <a:bodyPr/>
-          <a:lstStyle/>
-          <a:p>
-            <a:endParaRPr lang="en-IN" dirty="0"/>
-          </a:p>
-        </p:txBody>
-      </p:sp>
     </p:spTree>
     <p:extLst>
       <p:ext uri="{BB962C8B-B14F-4D97-AF65-F5344CB8AC3E}">
@@ -7822,36 +7803,6 @@
               <a:t>How Team 05 Can Help you???</a:t>
             </a:r>
             <a:endParaRPr lang="en-IN" sz="4000" dirty="0"/>
-          </a:p>
-        </p:txBody>
-      </p:sp>
-      <p:sp>
-        <p:nvSpPr>
-          <p:cNvPr id="3" name="Subtitle 2"/>
-          <p:cNvSpPr>
-            <a:spLocks noGrp="1"/>
-          </p:cNvSpPr>
-          <p:nvPr>
-            <p:ph type="subTitle" idx="1"/>
-          </p:nvPr>
-        </p:nvSpPr>
-        <p:spPr>
-          <a:xfrm>
-            <a:off x="194816" y="1017431"/>
-            <a:ext cx="6400800" cy="5499279"/>
-          </a:xfrm>
-        </p:spPr>
-        <p:txBody>
-          <a:bodyPr>
-            <a:normAutofit/>
-          </a:bodyPr>
-          <a:lstStyle/>
-          <a:p>
-            <a:endParaRPr lang="en-IN" dirty="0">
-              <a:solidFill>
-                <a:schemeClr val="tx1"/>
-              </a:solidFill>
-            </a:endParaRPr>
           </a:p>
         </p:txBody>
       </p:sp>
